--- a/formation-slides/11 - Tests et outils.pptx
+++ b/formation-slides/11 - Tests et outils.pptx
@@ -125,7 +125,7 @@
   </p:defaultTextStyle>
   <p:extLst>
     <p:ext uri="{EFAFB233-063F-42B5-8137-9DF3F51BA10A}">
-      <p15:sldGuideLst xmlns:p15="http://schemas.microsoft.com/office/powerpoint/2012/main" xmlns=""/>
+      <p15:sldGuideLst xmlns="" xmlns:p15="http://schemas.microsoft.com/office/powerpoint/2012/main"/>
     </p:ext>
   </p:extLst>
 </p:presentation>
@@ -221,7 +221,7 @@
           <a:p>
             <a:fld id="{607D9E91-A5EA-4309-8C52-9FCFE37B6E88}" type="datetimeFigureOut">
               <a:rPr lang="fr-FR" smtClean="0"/>
-              <a:t>25/02/2015</a:t>
+              <a:t>20/07/2015</a:t>
             </a:fld>
             <a:endParaRPr lang="fr-FR"/>
           </a:p>
@@ -5841,6 +5841,60 @@
           <a:chExt cx="0" cy="0"/>
         </a:xfrm>
       </p:grpSpPr>
+      <p:pic>
+        <p:nvPicPr>
+          <p:cNvPr id="15" name="Picture 6"/>
+          <p:cNvPicPr>
+            <a:picLocks noChangeAspect="1" noChangeArrowheads="1"/>
+          </p:cNvPicPr>
+          <p:nvPr/>
+        </p:nvPicPr>
+        <p:blipFill>
+          <a:blip r:embed="rId2" cstate="print">
+            <a:extLst>
+              <a:ext uri="{28A0092B-C50C-407E-A947-70E740481C1C}">
+                <a14:useLocalDpi xmlns:a14="http://schemas.microsoft.com/office/drawing/2010/main" val="0"/>
+              </a:ext>
+            </a:extLst>
+          </a:blip>
+          <a:srcRect/>
+          <a:stretch>
+            <a:fillRect/>
+          </a:stretch>
+        </p:blipFill>
+        <p:spPr bwMode="auto">
+          <a:xfrm>
+            <a:off x="3444523" y="853207"/>
+            <a:ext cx="6033405" cy="2547218"/>
+          </a:xfrm>
+          <a:prstGeom prst="rect">
+            <a:avLst/>
+          </a:prstGeom>
+          <a:noFill/>
+          <a:ln>
+            <a:noFill/>
+          </a:ln>
+          <a:extLst>
+            <a:ext uri="{909E8E84-426E-40DD-AFC4-6F175D3DCCD1}">
+              <a14:hiddenFill xmlns:a14="http://schemas.microsoft.com/office/drawing/2010/main">
+                <a:solidFill>
+                  <a:srgbClr val="FFFFFF"/>
+                </a:solidFill>
+              </a14:hiddenFill>
+            </a:ext>
+            <a:ext uri="{91240B29-F687-4F45-9708-019B960494DF}">
+              <a14:hiddenLine xmlns:a14="http://schemas.microsoft.com/office/drawing/2010/main" w="9525">
+                <a:solidFill>
+                  <a:srgbClr val="000000"/>
+                </a:solidFill>
+                <a:miter lim="800000"/>
+                <a:headEnd/>
+                <a:tailEnd/>
+              </a14:hiddenLine>
+            </a:ext>
+          </a:extLst>
+        </p:spPr>
+      </p:pic>
       <p:sp>
         <p:nvSpPr>
           <p:cNvPr id="2" name="Title 1"/>
@@ -5971,129 +6025,6 @@
           </a:p>
         </p:txBody>
       </p:sp>
-      <p:grpSp>
-        <p:nvGrpSpPr>
-          <p:cNvPr id="6" name="Group 4"/>
-          <p:cNvGrpSpPr>
-            <a:grpSpLocks noChangeAspect="1"/>
-          </p:cNvGrpSpPr>
-          <p:nvPr/>
-        </p:nvGrpSpPr>
-        <p:grpSpPr bwMode="auto">
-          <a:xfrm>
-            <a:off x="2993727" y="406433"/>
-            <a:ext cx="6753228" cy="3144591"/>
-            <a:chOff x="-583" y="481"/>
-            <a:chExt cx="11770" cy="4453"/>
-          </a:xfrm>
-        </p:grpSpPr>
-        <p:sp>
-          <p:nvSpPr>
-            <p:cNvPr id="7" name="AutoShape 3"/>
-            <p:cNvSpPr>
-              <a:spLocks noChangeAspect="1" noChangeArrowheads="1" noTextEdit="1"/>
-            </p:cNvSpPr>
-            <p:nvPr/>
-          </p:nvSpPr>
-          <p:spPr bwMode="auto">
-            <a:xfrm>
-              <a:off x="-583" y="481"/>
-              <a:ext cx="8846" cy="3358"/>
-            </a:xfrm>
-            <a:prstGeom prst="rect">
-              <a:avLst/>
-            </a:prstGeom>
-            <a:noFill/>
-            <a:ln>
-              <a:noFill/>
-            </a:ln>
-            <a:extLst>
-              <a:ext uri="{909E8E84-426E-40DD-AFC4-6F175D3DCCD1}">
-                <a14:hiddenFill xmlns:a14="http://schemas.microsoft.com/office/drawing/2010/main">
-                  <a:solidFill>
-                    <a:srgbClr val="FFFFFF"/>
-                  </a:solidFill>
-                </a14:hiddenFill>
-              </a:ext>
-              <a:ext uri="{91240B29-F687-4F45-9708-019B960494DF}">
-                <a14:hiddenLine xmlns:a14="http://schemas.microsoft.com/office/drawing/2010/main" w="9525">
-                  <a:solidFill>
-                    <a:srgbClr val="000000"/>
-                  </a:solidFill>
-                  <a:miter lim="800000"/>
-                  <a:headEnd/>
-                  <a:tailEnd/>
-                </a14:hiddenLine>
-              </a:ext>
-            </a:extLst>
-          </p:spPr>
-          <p:txBody>
-            <a:bodyPr vert="horz" wrap="square" lIns="91440" tIns="45720" rIns="91440" bIns="45720" numCol="1" anchor="t" anchorCtr="0" compatLnSpc="1">
-              <a:prstTxWarp prst="textNoShape">
-                <a:avLst/>
-              </a:prstTxWarp>
-            </a:bodyPr>
-            <a:lstStyle/>
-            <a:p>
-              <a:endParaRPr lang="fr-FR"/>
-            </a:p>
-          </p:txBody>
-        </p:sp>
-        <p:pic>
-          <p:nvPicPr>
-            <p:cNvPr id="2053" name="Picture 5"/>
-            <p:cNvPicPr>
-              <a:picLocks noChangeAspect="1" noChangeArrowheads="1"/>
-            </p:cNvPicPr>
-            <p:nvPr/>
-          </p:nvPicPr>
-          <p:blipFill>
-            <a:blip r:embed="rId2" cstate="print">
-              <a:extLst>
-                <a:ext uri="{28A0092B-C50C-407E-A947-70E740481C1C}">
-                  <a14:useLocalDpi xmlns:a14="http://schemas.microsoft.com/office/drawing/2010/main" val="0"/>
-                </a:ext>
-              </a:extLst>
-            </a:blip>
-            <a:srcRect/>
-            <a:stretch>
-              <a:fillRect/>
-            </a:stretch>
-          </p:blipFill>
-          <p:spPr bwMode="auto">
-            <a:xfrm>
-              <a:off x="-583" y="481"/>
-              <a:ext cx="11770" cy="4453"/>
-            </a:xfrm>
-            <a:prstGeom prst="rect">
-              <a:avLst/>
-            </a:prstGeom>
-            <a:noFill/>
-            <a:ln>
-              <a:noFill/>
-            </a:ln>
-            <a:extLst>
-              <a:ext uri="{909E8E84-426E-40DD-AFC4-6F175D3DCCD1}">
-                <a14:hiddenFill xmlns:a14="http://schemas.microsoft.com/office/drawing/2010/main">
-                  <a:solidFill>
-                    <a:srgbClr val="FFFFFF"/>
-                  </a:solidFill>
-                </a14:hiddenFill>
-              </a:ext>
-              <a:ext uri="{91240B29-F687-4F45-9708-019B960494DF}">
-                <a14:hiddenLine xmlns:a14="http://schemas.microsoft.com/office/drawing/2010/main" w="9525">
-                  <a:solidFill>
-                    <a:srgbClr val="000000"/>
-                  </a:solidFill>
-                  <a:miter lim="800000"/>
-                  <a:headEnd/>
-                  <a:tailEnd/>
-                </a14:hiddenLine>
-              </a:ext>
-            </a:extLst>
-          </p:spPr>
-        </p:pic>
-      </p:grpSp>
       <p:grpSp>
         <p:nvGrpSpPr>
           <p:cNvPr id="9" name="Group 9"/>
@@ -6219,7 +6150,7 @@
       </p:grpSp>
       <p:pic>
         <p:nvPicPr>
-          <p:cNvPr id="13" name="Picture 6"/>
+          <p:cNvPr id="14" name="Picture 11"/>
           <p:cNvPicPr>
             <a:picLocks noChangeAspect="1" noChangeArrowheads="1"/>
           </p:cNvPicPr>
@@ -6227,60 +6158,6 @@
         </p:nvPicPr>
         <p:blipFill>
           <a:blip r:embed="rId4" cstate="print">
-            <a:extLst>
-              <a:ext uri="{28A0092B-C50C-407E-A947-70E740481C1C}">
-                <a14:useLocalDpi xmlns:a14="http://schemas.microsoft.com/office/drawing/2010/main" val="0"/>
-              </a:ext>
-            </a:extLst>
-          </a:blip>
-          <a:srcRect/>
-          <a:stretch>
-            <a:fillRect/>
-          </a:stretch>
-        </p:blipFill>
-        <p:spPr bwMode="auto">
-          <a:xfrm>
-            <a:off x="3444523" y="853207"/>
-            <a:ext cx="6033405" cy="2547218"/>
-          </a:xfrm>
-          <a:prstGeom prst="rect">
-            <a:avLst/>
-          </a:prstGeom>
-          <a:noFill/>
-          <a:ln>
-            <a:noFill/>
-          </a:ln>
-          <a:extLst>
-            <a:ext uri="{909E8E84-426E-40DD-AFC4-6F175D3DCCD1}">
-              <a14:hiddenFill xmlns:a14="http://schemas.microsoft.com/office/drawing/2010/main">
-                <a:solidFill>
-                  <a:srgbClr val="FFFFFF"/>
-                </a:solidFill>
-              </a14:hiddenFill>
-            </a:ext>
-            <a:ext uri="{91240B29-F687-4F45-9708-019B960494DF}">
-              <a14:hiddenLine xmlns:a14="http://schemas.microsoft.com/office/drawing/2010/main" w="9525">
-                <a:solidFill>
-                  <a:srgbClr val="000000"/>
-                </a:solidFill>
-                <a:miter lim="800000"/>
-                <a:headEnd/>
-                <a:tailEnd/>
-              </a14:hiddenLine>
-            </a:ext>
-          </a:extLst>
-        </p:spPr>
-      </p:pic>
-      <p:pic>
-        <p:nvPicPr>
-          <p:cNvPr id="14" name="Picture 11"/>
-          <p:cNvPicPr>
-            <a:picLocks noChangeAspect="1" noChangeArrowheads="1"/>
-          </p:cNvPicPr>
-          <p:nvPr/>
-        </p:nvPicPr>
-        <p:blipFill>
-          <a:blip r:embed="rId5" cstate="print">
             <a:extLst>
               <a:ext uri="{28A0092B-C50C-407E-A947-70E740481C1C}">
                 <a14:useLocalDpi xmlns:a14="http://schemas.microsoft.com/office/drawing/2010/main" val="0"/>
@@ -10853,7 +10730,7 @@
   <a:extraClrSchemeLst/>
   <a:extLst>
     <a:ext uri="{05A4C25C-085E-4340-85A3-A5531E510DB2}">
-      <thm15:themeFamily xmlns:thm15="http://schemas.microsoft.com/office/thememl/2012/main" xmlns="" name="Office Theme" id="{62F939B6-93AF-4DB8-9C6B-D6C7DFDC589F}" vid="{4A3C46E8-61CC-4603-A589-7422A47A8E4A}"/>
+      <thm15:themeFamily xmlns="" xmlns:thm15="http://schemas.microsoft.com/office/thememl/2012/main" name="Office Theme" id="{62F939B6-93AF-4DB8-9C6B-D6C7DFDC589F}" vid="{4A3C46E8-61CC-4603-A589-7422A47A8E4A}"/>
     </a:ext>
   </a:extLst>
 </a:theme>

--- a/formation-slides/11 - Tests et outils.pptx
+++ b/formation-slides/11 - Tests et outils.pptx
@@ -125,7 +125,7 @@
   </p:defaultTextStyle>
   <p:extLst>
     <p:ext uri="{EFAFB233-063F-42B5-8137-9DF3F51BA10A}">
-      <p15:sldGuideLst xmlns="" xmlns:p15="http://schemas.microsoft.com/office/powerpoint/2012/main"/>
+      <p15:sldGuideLst xmlns:p15="http://schemas.microsoft.com/office/powerpoint/2012/main" xmlns=""/>
     </p:ext>
   </p:extLst>
 </p:presentation>
@@ -6025,129 +6025,6 @@
           </a:p>
         </p:txBody>
       </p:sp>
-      <p:grpSp>
-        <p:nvGrpSpPr>
-          <p:cNvPr id="9" name="Group 9"/>
-          <p:cNvGrpSpPr>
-            <a:grpSpLocks noChangeAspect="1"/>
-          </p:cNvGrpSpPr>
-          <p:nvPr/>
-        </p:nvGrpSpPr>
-        <p:grpSpPr bwMode="auto">
-          <a:xfrm>
-            <a:off x="3512643" y="3997943"/>
-            <a:ext cx="3919799" cy="2637493"/>
-            <a:chOff x="1730" y="999"/>
-            <a:chExt cx="5610" cy="3067"/>
-          </a:xfrm>
-        </p:grpSpPr>
-        <p:sp>
-          <p:nvSpPr>
-            <p:cNvPr id="10" name="AutoShape 8"/>
-            <p:cNvSpPr>
-              <a:spLocks noChangeAspect="1" noChangeArrowheads="1" noTextEdit="1"/>
-            </p:cNvSpPr>
-            <p:nvPr/>
-          </p:nvSpPr>
-          <p:spPr bwMode="auto">
-            <a:xfrm>
-              <a:off x="1730" y="999"/>
-              <a:ext cx="4220" cy="2322"/>
-            </a:xfrm>
-            <a:prstGeom prst="rect">
-              <a:avLst/>
-            </a:prstGeom>
-            <a:noFill/>
-            <a:ln>
-              <a:noFill/>
-            </a:ln>
-            <a:extLst>
-              <a:ext uri="{909E8E84-426E-40DD-AFC4-6F175D3DCCD1}">
-                <a14:hiddenFill xmlns:a14="http://schemas.microsoft.com/office/drawing/2010/main">
-                  <a:solidFill>
-                    <a:srgbClr val="FFFFFF"/>
-                  </a:solidFill>
-                </a14:hiddenFill>
-              </a:ext>
-              <a:ext uri="{91240B29-F687-4F45-9708-019B960494DF}">
-                <a14:hiddenLine xmlns:a14="http://schemas.microsoft.com/office/drawing/2010/main" w="9525">
-                  <a:solidFill>
-                    <a:srgbClr val="000000"/>
-                  </a:solidFill>
-                  <a:miter lim="800000"/>
-                  <a:headEnd/>
-                  <a:tailEnd/>
-                </a14:hiddenLine>
-              </a:ext>
-            </a:extLst>
-          </p:spPr>
-          <p:txBody>
-            <a:bodyPr vert="horz" wrap="square" lIns="91440" tIns="45720" rIns="91440" bIns="45720" numCol="1" anchor="t" anchorCtr="0" compatLnSpc="1">
-              <a:prstTxWarp prst="textNoShape">
-                <a:avLst/>
-              </a:prstTxWarp>
-            </a:bodyPr>
-            <a:lstStyle/>
-            <a:p>
-              <a:endParaRPr lang="fr-FR"/>
-            </a:p>
-          </p:txBody>
-        </p:sp>
-        <p:pic>
-          <p:nvPicPr>
-            <p:cNvPr id="2058" name="Picture 10"/>
-            <p:cNvPicPr>
-              <a:picLocks noChangeAspect="1" noChangeArrowheads="1"/>
-            </p:cNvPicPr>
-            <p:nvPr/>
-          </p:nvPicPr>
-          <p:blipFill>
-            <a:blip r:embed="rId3" cstate="print">
-              <a:extLst>
-                <a:ext uri="{28A0092B-C50C-407E-A947-70E740481C1C}">
-                  <a14:useLocalDpi xmlns:a14="http://schemas.microsoft.com/office/drawing/2010/main" val="0"/>
-                </a:ext>
-              </a:extLst>
-            </a:blip>
-            <a:srcRect/>
-            <a:stretch>
-              <a:fillRect/>
-            </a:stretch>
-          </p:blipFill>
-          <p:spPr bwMode="auto">
-            <a:xfrm>
-              <a:off x="1730" y="999"/>
-              <a:ext cx="5610" cy="3067"/>
-            </a:xfrm>
-            <a:prstGeom prst="rect">
-              <a:avLst/>
-            </a:prstGeom>
-            <a:noFill/>
-            <a:ln>
-              <a:noFill/>
-            </a:ln>
-            <a:extLst>
-              <a:ext uri="{909E8E84-426E-40DD-AFC4-6F175D3DCCD1}">
-                <a14:hiddenFill xmlns:a14="http://schemas.microsoft.com/office/drawing/2010/main">
-                  <a:solidFill>
-                    <a:srgbClr val="FFFFFF"/>
-                  </a:solidFill>
-                </a14:hiddenFill>
-              </a:ext>
-              <a:ext uri="{91240B29-F687-4F45-9708-019B960494DF}">
-                <a14:hiddenLine xmlns:a14="http://schemas.microsoft.com/office/drawing/2010/main" w="9525">
-                  <a:solidFill>
-                    <a:srgbClr val="000000"/>
-                  </a:solidFill>
-                  <a:miter lim="800000"/>
-                  <a:headEnd/>
-                  <a:tailEnd/>
-                </a14:hiddenLine>
-              </a:ext>
-            </a:extLst>
-          </p:spPr>
-        </p:pic>
-      </p:grpSp>
       <p:pic>
         <p:nvPicPr>
           <p:cNvPr id="14" name="Picture 11"/>
@@ -6157,7 +6034,7 @@
           <p:nvPr/>
         </p:nvPicPr>
         <p:blipFill>
-          <a:blip r:embed="rId4" cstate="print">
+          <a:blip r:embed="rId3" cstate="print">
             <a:extLst>
               <a:ext uri="{28A0092B-C50C-407E-A947-70E740481C1C}">
                 <a14:useLocalDpi xmlns:a14="http://schemas.microsoft.com/office/drawing/2010/main" val="0"/>
@@ -10730,7 +10607,7 @@
   <a:extraClrSchemeLst/>
   <a:extLst>
     <a:ext uri="{05A4C25C-085E-4340-85A3-A5531E510DB2}">
-      <thm15:themeFamily xmlns="" xmlns:thm15="http://schemas.microsoft.com/office/thememl/2012/main" name="Office Theme" id="{62F939B6-93AF-4DB8-9C6B-D6C7DFDC589F}" vid="{4A3C46E8-61CC-4603-A589-7422A47A8E4A}"/>
+      <thm15:themeFamily xmlns:thm15="http://schemas.microsoft.com/office/thememl/2012/main" xmlns="" name="Office Theme" id="{62F939B6-93AF-4DB8-9C6B-D6C7DFDC589F}" vid="{4A3C46E8-61CC-4603-A589-7422A47A8E4A}"/>
     </a:ext>
   </a:extLst>
 </a:theme>
